--- a/2.설계/UI - Page, Layout, Widget/분석.pptx
+++ b/2.설계/UI - Page, Layout, Widget/분석.pptx
@@ -265,7 +265,7 @@
           <a:p>
             <a:fld id="{0914E6A4-74D9-7449-8FD0-C984AA1E741A}" type="datetimeFigureOut">
               <a:rPr kumimoji="1" lang="ko-Kore-KR" altLang="en-US" smtClean="0"/>
-              <a:t>2023. 2. 16.</a:t>
+              <a:t>2023. 2. 18.</a:t>
             </a:fld>
             <a:endParaRPr kumimoji="1" lang="ko-Kore-KR" altLang="en-US"/>
           </a:p>
@@ -465,7 +465,7 @@
           <a:p>
             <a:fld id="{0914E6A4-74D9-7449-8FD0-C984AA1E741A}" type="datetimeFigureOut">
               <a:rPr kumimoji="1" lang="ko-Kore-KR" altLang="en-US" smtClean="0"/>
-              <a:t>2023. 2. 16.</a:t>
+              <a:t>2023. 2. 18.</a:t>
             </a:fld>
             <a:endParaRPr kumimoji="1" lang="ko-Kore-KR" altLang="en-US"/>
           </a:p>
@@ -675,7 +675,7 @@
           <a:p>
             <a:fld id="{0914E6A4-74D9-7449-8FD0-C984AA1E741A}" type="datetimeFigureOut">
               <a:rPr kumimoji="1" lang="ko-Kore-KR" altLang="en-US" smtClean="0"/>
-              <a:t>2023. 2. 16.</a:t>
+              <a:t>2023. 2. 18.</a:t>
             </a:fld>
             <a:endParaRPr kumimoji="1" lang="ko-Kore-KR" altLang="en-US"/>
           </a:p>
@@ -1731,7 +1731,7 @@
           <a:p>
             <a:fld id="{0914E6A4-74D9-7449-8FD0-C984AA1E741A}" type="datetimeFigureOut">
               <a:rPr kumimoji="1" lang="ko-Kore-KR" altLang="en-US" smtClean="0"/>
-              <a:t>2023. 2. 16.</a:t>
+              <a:t>2023. 2. 18.</a:t>
             </a:fld>
             <a:endParaRPr kumimoji="1" lang="ko-Kore-KR" altLang="en-US"/>
           </a:p>
@@ -2007,7 +2007,7 @@
           <a:p>
             <a:fld id="{0914E6A4-74D9-7449-8FD0-C984AA1E741A}" type="datetimeFigureOut">
               <a:rPr kumimoji="1" lang="ko-Kore-KR" altLang="en-US" smtClean="0"/>
-              <a:t>2023. 2. 16.</a:t>
+              <a:t>2023. 2. 18.</a:t>
             </a:fld>
             <a:endParaRPr kumimoji="1" lang="ko-Kore-KR" altLang="en-US"/>
           </a:p>
@@ -2275,7 +2275,7 @@
           <a:p>
             <a:fld id="{0914E6A4-74D9-7449-8FD0-C984AA1E741A}" type="datetimeFigureOut">
               <a:rPr kumimoji="1" lang="ko-Kore-KR" altLang="en-US" smtClean="0"/>
-              <a:t>2023. 2. 16.</a:t>
+              <a:t>2023. 2. 18.</a:t>
             </a:fld>
             <a:endParaRPr kumimoji="1" lang="ko-Kore-KR" altLang="en-US"/>
           </a:p>
@@ -2690,7 +2690,7 @@
           <a:p>
             <a:fld id="{0914E6A4-74D9-7449-8FD0-C984AA1E741A}" type="datetimeFigureOut">
               <a:rPr kumimoji="1" lang="ko-Kore-KR" altLang="en-US" smtClean="0"/>
-              <a:t>2023. 2. 16.</a:t>
+              <a:t>2023. 2. 18.</a:t>
             </a:fld>
             <a:endParaRPr kumimoji="1" lang="ko-Kore-KR" altLang="en-US"/>
           </a:p>
@@ -2832,7 +2832,7 @@
           <a:p>
             <a:fld id="{0914E6A4-74D9-7449-8FD0-C984AA1E741A}" type="datetimeFigureOut">
               <a:rPr kumimoji="1" lang="ko-Kore-KR" altLang="en-US" smtClean="0"/>
-              <a:t>2023. 2. 16.</a:t>
+              <a:t>2023. 2. 18.</a:t>
             </a:fld>
             <a:endParaRPr kumimoji="1" lang="ko-Kore-KR" altLang="en-US"/>
           </a:p>
@@ -2945,7 +2945,7 @@
           <a:p>
             <a:fld id="{0914E6A4-74D9-7449-8FD0-C984AA1E741A}" type="datetimeFigureOut">
               <a:rPr kumimoji="1" lang="ko-Kore-KR" altLang="en-US" smtClean="0"/>
-              <a:t>2023. 2. 16.</a:t>
+              <a:t>2023. 2. 18.</a:t>
             </a:fld>
             <a:endParaRPr kumimoji="1" lang="ko-Kore-KR" altLang="en-US"/>
           </a:p>
@@ -3258,7 +3258,7 @@
           <a:p>
             <a:fld id="{0914E6A4-74D9-7449-8FD0-C984AA1E741A}" type="datetimeFigureOut">
               <a:rPr kumimoji="1" lang="ko-Kore-KR" altLang="en-US" smtClean="0"/>
-              <a:t>2023. 2. 16.</a:t>
+              <a:t>2023. 2. 18.</a:t>
             </a:fld>
             <a:endParaRPr kumimoji="1" lang="ko-Kore-KR" altLang="en-US"/>
           </a:p>
@@ -3547,7 +3547,7 @@
           <a:p>
             <a:fld id="{0914E6A4-74D9-7449-8FD0-C984AA1E741A}" type="datetimeFigureOut">
               <a:rPr kumimoji="1" lang="ko-Kore-KR" altLang="en-US" smtClean="0"/>
-              <a:t>2023. 2. 16.</a:t>
+              <a:t>2023. 2. 18.</a:t>
             </a:fld>
             <a:endParaRPr kumimoji="1" lang="ko-Kore-KR" altLang="en-US"/>
           </a:p>
@@ -3790,7 +3790,7 @@
           <a:p>
             <a:fld id="{0914E6A4-74D9-7449-8FD0-C984AA1E741A}" type="datetimeFigureOut">
               <a:rPr kumimoji="1" lang="ko-Kore-KR" altLang="en-US" smtClean="0"/>
-              <a:t>2023. 2. 16.</a:t>
+              <a:t>2023. 2. 18.</a:t>
             </a:fld>
             <a:endParaRPr kumimoji="1" lang="ko-Kore-KR" altLang="en-US"/>
           </a:p>
@@ -6000,6 +6000,169 @@
               <a:t>Text</a:t>
             </a:r>
             <a:endParaRPr kumimoji="1" lang="ko-Kore-KR" altLang="en-US" dirty="0"/>
+          </a:p>
+        </p:txBody>
+      </p:sp>
+      <p:sp>
+        <p:nvSpPr>
+          <p:cNvPr id="9" name="모서리가 둥근 직사각형 8">
+            <a:extLst>
+              <a:ext uri="{FF2B5EF4-FFF2-40B4-BE49-F238E27FC236}">
+                <a16:creationId xmlns:a16="http://schemas.microsoft.com/office/drawing/2014/main" id="{255A7D2B-10A9-12AA-DC7C-63AB909B5E46}"/>
+              </a:ext>
+            </a:extLst>
+          </p:cNvPr>
+          <p:cNvSpPr/>
+          <p:nvPr/>
+        </p:nvSpPr>
+        <p:spPr>
+          <a:xfrm>
+            <a:off x="6095999" y="837205"/>
+            <a:ext cx="1982681" cy="1382211"/>
+          </a:xfrm>
+          <a:prstGeom prst="roundRect">
+            <a:avLst/>
+          </a:prstGeom>
+          <a:solidFill>
+            <a:schemeClr val="accent5">
+              <a:alpha val="50000"/>
+            </a:schemeClr>
+          </a:solidFill>
+          <a:ln>
+            <a:noFill/>
+          </a:ln>
+        </p:spPr>
+        <p:style>
+          <a:lnRef idx="0">
+            <a:scrgbClr r="0" g="0" b="0"/>
+          </a:lnRef>
+          <a:fillRef idx="0">
+            <a:scrgbClr r="0" g="0" b="0"/>
+          </a:fillRef>
+          <a:effectRef idx="0">
+            <a:scrgbClr r="0" g="0" b="0"/>
+          </a:effectRef>
+          <a:fontRef idx="minor">
+            <a:schemeClr val="lt1"/>
+          </a:fontRef>
+        </p:style>
+        <p:txBody>
+          <a:bodyPr rtlCol="0" anchor="t"/>
+          <a:lstStyle/>
+          <a:p>
+            <a:r>
+              <a:rPr kumimoji="1" lang="en-US" altLang="ko-Kore-KR" dirty="0" err="1"/>
+              <a:t>getNotice</a:t>
+            </a:r>
+            <a:endParaRPr kumimoji="1" lang="en-US" altLang="ko-Kore-KR" dirty="0"/>
+          </a:p>
+          <a:p>
+            <a:r>
+              <a:rPr kumimoji="1" lang="en-US" altLang="ko-Kore-KR" sz="1200" dirty="0"/>
+              <a:t>(version)</a:t>
+            </a:r>
+          </a:p>
+          <a:p>
+            <a:pPr marL="285750" indent="-285750">
+              <a:buFontTx/>
+              <a:buChar char="-"/>
+            </a:pPr>
+            <a:r>
+              <a:rPr kumimoji="1" lang="en-US" altLang="ko-Kore-KR" sz="1200" dirty="0"/>
+              <a:t>Title</a:t>
+            </a:r>
+          </a:p>
+          <a:p>
+            <a:pPr marL="285750" indent="-285750">
+              <a:buFontTx/>
+              <a:buChar char="-"/>
+            </a:pPr>
+            <a:r>
+              <a:rPr kumimoji="1" lang="en-US" altLang="ko-Kore-KR" sz="1200" dirty="0"/>
+              <a:t>Message</a:t>
+            </a:r>
+          </a:p>
+          <a:p>
+            <a:pPr marL="285750" indent="-285750">
+              <a:buFontTx/>
+              <a:buChar char="-"/>
+            </a:pPr>
+            <a:r>
+              <a:rPr kumimoji="1" lang="en-US" altLang="ko-Kore-KR" sz="1200" dirty="0"/>
+              <a:t>URL</a:t>
+            </a:r>
+          </a:p>
+          <a:p>
+            <a:pPr marL="285750" indent="-285750">
+              <a:buFontTx/>
+              <a:buChar char="-"/>
+            </a:pPr>
+            <a:r>
+              <a:rPr kumimoji="1" lang="en-US" altLang="ko-Kore-KR" sz="1200" dirty="0"/>
+              <a:t>Type[alert, confirm]</a:t>
+            </a:r>
+            <a:endParaRPr kumimoji="1" lang="ko-Kore-KR" altLang="en-US" sz="1200" dirty="0"/>
+          </a:p>
+        </p:txBody>
+      </p:sp>
+      <p:sp>
+        <p:nvSpPr>
+          <p:cNvPr id="12" name="모서리가 둥근 직사각형 11">
+            <a:extLst>
+              <a:ext uri="{FF2B5EF4-FFF2-40B4-BE49-F238E27FC236}">
+                <a16:creationId xmlns:a16="http://schemas.microsoft.com/office/drawing/2014/main" id="{CD32255C-9CD6-1A7F-9716-1096D4605BA0}"/>
+              </a:ext>
+            </a:extLst>
+          </p:cNvPr>
+          <p:cNvSpPr/>
+          <p:nvPr/>
+        </p:nvSpPr>
+        <p:spPr>
+          <a:xfrm>
+            <a:off x="6095999" y="2427789"/>
+            <a:ext cx="1867271" cy="1269508"/>
+          </a:xfrm>
+          <a:prstGeom prst="roundRect">
+            <a:avLst/>
+          </a:prstGeom>
+          <a:solidFill>
+            <a:schemeClr val="accent6">
+              <a:alpha val="50000"/>
+            </a:schemeClr>
+          </a:solidFill>
+          <a:ln>
+            <a:noFill/>
+          </a:ln>
+        </p:spPr>
+        <p:style>
+          <a:lnRef idx="0">
+            <a:scrgbClr r="0" g="0" b="0"/>
+          </a:lnRef>
+          <a:fillRef idx="0">
+            <a:scrgbClr r="0" g="0" b="0"/>
+          </a:fillRef>
+          <a:effectRef idx="0">
+            <a:scrgbClr r="0" g="0" b="0"/>
+          </a:effectRef>
+          <a:fontRef idx="minor">
+            <a:schemeClr val="lt1"/>
+          </a:fontRef>
+        </p:style>
+        <p:txBody>
+          <a:bodyPr rtlCol="0" anchor="t"/>
+          <a:lstStyle/>
+          <a:p>
+            <a:r>
+              <a:rPr kumimoji="1" lang="en-US" altLang="ko-Kore-KR" dirty="0" err="1"/>
+              <a:t>signIn</a:t>
+            </a:r>
+            <a:endParaRPr kumimoji="1" lang="en-US" altLang="ko-Kore-KR" dirty="0"/>
+          </a:p>
+          <a:p>
+            <a:r>
+              <a:rPr kumimoji="1" lang="en-US" altLang="ko-Kore-KR" sz="1200" dirty="0"/>
+              <a:t>(email, password)</a:t>
+            </a:r>
           </a:p>
         </p:txBody>
       </p:sp>
@@ -8556,6 +8719,234 @@
           </a:p>
         </p:txBody>
       </p:sp>
+      <p:sp>
+        <p:nvSpPr>
+          <p:cNvPr id="3" name="모서리가 둥근 직사각형 2">
+            <a:extLst>
+              <a:ext uri="{FF2B5EF4-FFF2-40B4-BE49-F238E27FC236}">
+                <a16:creationId xmlns:a16="http://schemas.microsoft.com/office/drawing/2014/main" id="{86CBA949-6692-A1BE-D8D4-7ABB317C4E11}"/>
+              </a:ext>
+            </a:extLst>
+          </p:cNvPr>
+          <p:cNvSpPr/>
+          <p:nvPr/>
+        </p:nvSpPr>
+        <p:spPr>
+          <a:xfrm>
+            <a:off x="6095999" y="837205"/>
+            <a:ext cx="2531656" cy="2127707"/>
+          </a:xfrm>
+          <a:prstGeom prst="roundRect">
+            <a:avLst/>
+          </a:prstGeom>
+          <a:solidFill>
+            <a:schemeClr val="accent5">
+              <a:alpha val="50000"/>
+            </a:schemeClr>
+          </a:solidFill>
+          <a:ln>
+            <a:noFill/>
+          </a:ln>
+        </p:spPr>
+        <p:style>
+          <a:lnRef idx="0">
+            <a:scrgbClr r="0" g="0" b="0"/>
+          </a:lnRef>
+          <a:fillRef idx="0">
+            <a:scrgbClr r="0" g="0" b="0"/>
+          </a:fillRef>
+          <a:effectRef idx="0">
+            <a:scrgbClr r="0" g="0" b="0"/>
+          </a:effectRef>
+          <a:fontRef idx="minor">
+            <a:schemeClr val="lt1"/>
+          </a:fontRef>
+        </p:style>
+        <p:txBody>
+          <a:bodyPr rtlCol="0" anchor="t"/>
+          <a:lstStyle/>
+          <a:p>
+            <a:pPr marL="72000"/>
+            <a:r>
+              <a:rPr kumimoji="1" lang="en-US" altLang="ko-Kore-KR" dirty="0" err="1"/>
+              <a:t>getList</a:t>
+            </a:r>
+            <a:endParaRPr kumimoji="1" lang="en-US" altLang="ko-Kore-KR" dirty="0"/>
+          </a:p>
+          <a:p>
+            <a:pPr marL="72000"/>
+            <a:r>
+              <a:rPr kumimoji="1" lang="en-US" altLang="ko-Kore-KR" sz="1200" dirty="0"/>
+              <a:t>(date, page, all)</a:t>
+            </a:r>
+          </a:p>
+          <a:p>
+            <a:pPr marL="72000" indent="-171450">
+              <a:buFontTx/>
+              <a:buChar char="-"/>
+            </a:pPr>
+            <a:r>
+              <a:rPr kumimoji="1" lang="en-US" altLang="ko-Kore-KR" sz="1200" dirty="0"/>
+              <a:t>Date</a:t>
+            </a:r>
+          </a:p>
+          <a:p>
+            <a:pPr marL="72000" indent="-171450">
+              <a:buFontTx/>
+              <a:buChar char="-"/>
+            </a:pPr>
+            <a:r>
+              <a:rPr kumimoji="1" lang="en-US" altLang="ko-Kore-KR" sz="1200" dirty="0" err="1"/>
+              <a:t>PageInfo</a:t>
+            </a:r>
+            <a:r>
+              <a:rPr kumimoji="1" lang="en-US" altLang="ko-Kore-KR" sz="1200" dirty="0"/>
+              <a:t>(current, total)</a:t>
+            </a:r>
+          </a:p>
+          <a:p>
+            <a:pPr marL="72000" indent="-171450">
+              <a:buFontTx/>
+              <a:buChar char="-"/>
+            </a:pPr>
+            <a:r>
+              <a:rPr kumimoji="1" lang="en-US" altLang="ko-Kore-KR" sz="1200" dirty="0"/>
+              <a:t>Item []</a:t>
+            </a:r>
+          </a:p>
+          <a:p>
+            <a:pPr marL="529200" lvl="2" indent="-171450">
+              <a:buFontTx/>
+              <a:buChar char="-"/>
+            </a:pPr>
+            <a:r>
+              <a:rPr kumimoji="1" lang="en-US" altLang="ko-Kore-KR" sz="1200" dirty="0"/>
+              <a:t>Content</a:t>
+            </a:r>
+          </a:p>
+          <a:p>
+            <a:pPr marL="529200" lvl="2" indent="-171450">
+              <a:buFontTx/>
+              <a:buChar char="-"/>
+            </a:pPr>
+            <a:r>
+              <a:rPr kumimoji="1" lang="en-US" altLang="ko-Kore-KR" sz="1200" dirty="0"/>
+              <a:t>Writer</a:t>
+            </a:r>
+          </a:p>
+          <a:p>
+            <a:pPr marL="529200" lvl="2" indent="-171450">
+              <a:buFontTx/>
+              <a:buChar char="-"/>
+            </a:pPr>
+            <a:r>
+              <a:rPr kumimoji="1" lang="en-US" altLang="ko-Kore-KR" sz="1200" dirty="0" err="1"/>
+              <a:t>HeartUserIds</a:t>
+            </a:r>
+            <a:endParaRPr kumimoji="1" lang="en-US" altLang="ko-Kore-KR" sz="1200" dirty="0"/>
+          </a:p>
+          <a:p>
+            <a:pPr marL="72000" indent="-171450">
+              <a:buFontTx/>
+              <a:buChar char="-"/>
+            </a:pPr>
+            <a:endParaRPr kumimoji="1" lang="en-US" altLang="ko-Kore-KR" sz="1200" dirty="0"/>
+          </a:p>
+        </p:txBody>
+      </p:sp>
+      <p:sp>
+        <p:nvSpPr>
+          <p:cNvPr id="6" name="직사각형 5">
+            <a:extLst>
+              <a:ext uri="{FF2B5EF4-FFF2-40B4-BE49-F238E27FC236}">
+                <a16:creationId xmlns:a16="http://schemas.microsoft.com/office/drawing/2014/main" id="{37EFB2CC-7E31-9E06-7DEE-DF59D18068D3}"/>
+              </a:ext>
+            </a:extLst>
+          </p:cNvPr>
+          <p:cNvSpPr/>
+          <p:nvPr/>
+        </p:nvSpPr>
+        <p:spPr>
+          <a:xfrm>
+            <a:off x="6095999" y="3346882"/>
+            <a:ext cx="2311154" cy="1669001"/>
+          </a:xfrm>
+          <a:prstGeom prst="rect">
+            <a:avLst/>
+          </a:prstGeom>
+          <a:noFill/>
+          <a:ln w="9525" cap="flat" cmpd="sng" algn="ctr">
+            <a:solidFill>
+              <a:schemeClr val="dk1"/>
+            </a:solidFill>
+            <a:prstDash val="solid"/>
+            <a:round/>
+            <a:headEnd type="none" w="med" len="med"/>
+            <a:tailEnd type="none" w="med" len="med"/>
+          </a:ln>
+        </p:spPr>
+        <p:style>
+          <a:lnRef idx="0">
+            <a:scrgbClr r="0" g="0" b="0"/>
+          </a:lnRef>
+          <a:fillRef idx="0">
+            <a:scrgbClr r="0" g="0" b="0"/>
+          </a:fillRef>
+          <a:effectRef idx="0">
+            <a:scrgbClr r="0" g="0" b="0"/>
+          </a:effectRef>
+          <a:fontRef idx="minor">
+            <a:schemeClr val="dk1"/>
+          </a:fontRef>
+        </p:style>
+        <p:txBody>
+          <a:bodyPr rtlCol="0" anchor="t"/>
+          <a:lstStyle/>
+          <a:p>
+            <a:pPr marL="36000"/>
+            <a:r>
+              <a:rPr kumimoji="1" lang="en-US" altLang="ko-Kore-KR" dirty="0"/>
+              <a:t>Diary</a:t>
+            </a:r>
+          </a:p>
+          <a:p>
+            <a:pPr marL="36000" lvl="1" indent="-171450">
+              <a:buFontTx/>
+              <a:buChar char="-"/>
+            </a:pPr>
+            <a:r>
+              <a:rPr kumimoji="1" lang="en-US" altLang="ko-Kore-KR" sz="1800" dirty="0"/>
+              <a:t>Content</a:t>
+            </a:r>
+            <a:endParaRPr kumimoji="1" lang="en-US" altLang="ko-Kore-KR" dirty="0"/>
+          </a:p>
+          <a:p>
+            <a:pPr marL="36000" lvl="1" indent="-171450">
+              <a:buFontTx/>
+              <a:buChar char="-"/>
+            </a:pPr>
+            <a:r>
+              <a:rPr kumimoji="1" lang="en-US" altLang="ko-Kore-KR" sz="1800" dirty="0"/>
+              <a:t>Writer</a:t>
+            </a:r>
+          </a:p>
+          <a:p>
+            <a:pPr marL="36000" lvl="1" indent="-171450">
+              <a:buFontTx/>
+              <a:buChar char="-"/>
+            </a:pPr>
+            <a:r>
+              <a:rPr kumimoji="1" lang="en-US" altLang="ko-Kore-KR" sz="1800" dirty="0" err="1"/>
+              <a:t>HeartUserIds</a:t>
+            </a:r>
+            <a:endParaRPr kumimoji="1" lang="en-US" altLang="ko-Kore-KR" sz="1800" dirty="0"/>
+          </a:p>
+          <a:p>
+            <a:pPr marL="36000"/>
+            <a:endParaRPr kumimoji="1" lang="ko-Kore-KR" altLang="en-US" dirty="0"/>
+          </a:p>
+        </p:txBody>
+      </p:sp>
     </p:spTree>
     <p:extLst>
       <p:ext uri="{BB962C8B-B14F-4D97-AF65-F5344CB8AC3E}">
@@ -10646,6 +11037,67 @@
               <a:t>input</a:t>
             </a:r>
             <a:endParaRPr kumimoji="1" lang="ko-Kore-KR" altLang="en-US" dirty="0"/>
+          </a:p>
+        </p:txBody>
+      </p:sp>
+      <p:sp>
+        <p:nvSpPr>
+          <p:cNvPr id="3" name="모서리가 둥근 직사각형 2">
+            <a:extLst>
+              <a:ext uri="{FF2B5EF4-FFF2-40B4-BE49-F238E27FC236}">
+                <a16:creationId xmlns:a16="http://schemas.microsoft.com/office/drawing/2014/main" id="{E6F59BC2-365F-85C0-7F9C-78B2BB9DFF79}"/>
+              </a:ext>
+            </a:extLst>
+          </p:cNvPr>
+          <p:cNvSpPr/>
+          <p:nvPr/>
+        </p:nvSpPr>
+        <p:spPr>
+          <a:xfrm>
+            <a:off x="6095999" y="2427789"/>
+            <a:ext cx="1867271" cy="1269508"/>
+          </a:xfrm>
+          <a:prstGeom prst="roundRect">
+            <a:avLst/>
+          </a:prstGeom>
+          <a:solidFill>
+            <a:schemeClr val="accent6">
+              <a:alpha val="50000"/>
+            </a:schemeClr>
+          </a:solidFill>
+          <a:ln>
+            <a:noFill/>
+          </a:ln>
+        </p:spPr>
+        <p:style>
+          <a:lnRef idx="0">
+            <a:scrgbClr r="0" g="0" b="0"/>
+          </a:lnRef>
+          <a:fillRef idx="0">
+            <a:scrgbClr r="0" g="0" b="0"/>
+          </a:fillRef>
+          <a:effectRef idx="0">
+            <a:scrgbClr r="0" g="0" b="0"/>
+          </a:effectRef>
+          <a:fontRef idx="minor">
+            <a:schemeClr val="lt1"/>
+          </a:fontRef>
+        </p:style>
+        <p:txBody>
+          <a:bodyPr rtlCol="0" anchor="t"/>
+          <a:lstStyle/>
+          <a:p>
+            <a:r>
+              <a:rPr kumimoji="1" lang="en-US" altLang="ko-Kore-KR" dirty="0" err="1"/>
+              <a:t>signIn</a:t>
+            </a:r>
+            <a:endParaRPr kumimoji="1" lang="en-US" altLang="ko-Kore-KR" dirty="0"/>
+          </a:p>
+          <a:p>
+            <a:r>
+              <a:rPr kumimoji="1" lang="en-US" altLang="ko-Kore-KR" sz="1200" dirty="0"/>
+              <a:t>(email, password)</a:t>
+            </a:r>
           </a:p>
         </p:txBody>
       </p:sp>
@@ -12937,6 +13389,67 @@
           </a:p>
         </p:txBody>
       </p:sp>
+      <p:sp>
+        <p:nvSpPr>
+          <p:cNvPr id="16" name="모서리가 둥근 직사각형 15">
+            <a:extLst>
+              <a:ext uri="{FF2B5EF4-FFF2-40B4-BE49-F238E27FC236}">
+                <a16:creationId xmlns:a16="http://schemas.microsoft.com/office/drawing/2014/main" id="{2D731F8D-E3D5-1B02-F433-7570A1E0E99D}"/>
+              </a:ext>
+            </a:extLst>
+          </p:cNvPr>
+          <p:cNvSpPr/>
+          <p:nvPr/>
+        </p:nvSpPr>
+        <p:spPr>
+          <a:xfrm>
+            <a:off x="6095999" y="2427789"/>
+            <a:ext cx="1867271" cy="1269508"/>
+          </a:xfrm>
+          <a:prstGeom prst="roundRect">
+            <a:avLst/>
+          </a:prstGeom>
+          <a:solidFill>
+            <a:schemeClr val="accent6">
+              <a:alpha val="50000"/>
+            </a:schemeClr>
+          </a:solidFill>
+          <a:ln>
+            <a:noFill/>
+          </a:ln>
+        </p:spPr>
+        <p:style>
+          <a:lnRef idx="0">
+            <a:scrgbClr r="0" g="0" b="0"/>
+          </a:lnRef>
+          <a:fillRef idx="0">
+            <a:scrgbClr r="0" g="0" b="0"/>
+          </a:fillRef>
+          <a:effectRef idx="0">
+            <a:scrgbClr r="0" g="0" b="0"/>
+          </a:effectRef>
+          <a:fontRef idx="minor">
+            <a:schemeClr val="lt1"/>
+          </a:fontRef>
+        </p:style>
+        <p:txBody>
+          <a:bodyPr rtlCol="0" anchor="t"/>
+          <a:lstStyle/>
+          <a:p>
+            <a:r>
+              <a:rPr kumimoji="1" lang="en-US" altLang="ko-Kore-KR" dirty="0" err="1"/>
+              <a:t>signUp</a:t>
+            </a:r>
+            <a:endParaRPr kumimoji="1" lang="en-US" altLang="ko-Kore-KR" dirty="0"/>
+          </a:p>
+          <a:p>
+            <a:r>
+              <a:rPr kumimoji="1" lang="en-US" altLang="ko-Kore-KR" sz="1200" dirty="0"/>
+              <a:t>(email, password, password, Nickname)</a:t>
+            </a:r>
+          </a:p>
+        </p:txBody>
+      </p:sp>
     </p:spTree>
     <p:extLst>
       <p:ext uri="{BB962C8B-B14F-4D97-AF65-F5344CB8AC3E}">
@@ -16207,6 +16720,67 @@
               <a:t>input</a:t>
             </a:r>
             <a:endParaRPr kumimoji="1" lang="ko-Kore-KR" altLang="en-US" dirty="0"/>
+          </a:p>
+        </p:txBody>
+      </p:sp>
+      <p:sp>
+        <p:nvSpPr>
+          <p:cNvPr id="19" name="모서리가 둥근 직사각형 18">
+            <a:extLst>
+              <a:ext uri="{FF2B5EF4-FFF2-40B4-BE49-F238E27FC236}">
+                <a16:creationId xmlns:a16="http://schemas.microsoft.com/office/drawing/2014/main" id="{32C1C751-5327-F103-83DD-727D22379749}"/>
+              </a:ext>
+            </a:extLst>
+          </p:cNvPr>
+          <p:cNvSpPr/>
+          <p:nvPr/>
+        </p:nvSpPr>
+        <p:spPr>
+          <a:xfrm>
+            <a:off x="6095999" y="1481578"/>
+            <a:ext cx="1867271" cy="1269508"/>
+          </a:xfrm>
+          <a:prstGeom prst="roundRect">
+            <a:avLst/>
+          </a:prstGeom>
+          <a:solidFill>
+            <a:schemeClr val="accent6">
+              <a:alpha val="50000"/>
+            </a:schemeClr>
+          </a:solidFill>
+          <a:ln>
+            <a:noFill/>
+          </a:ln>
+        </p:spPr>
+        <p:style>
+          <a:lnRef idx="0">
+            <a:scrgbClr r="0" g="0" b="0"/>
+          </a:lnRef>
+          <a:fillRef idx="0">
+            <a:scrgbClr r="0" g="0" b="0"/>
+          </a:fillRef>
+          <a:effectRef idx="0">
+            <a:scrgbClr r="0" g="0" b="0"/>
+          </a:effectRef>
+          <a:fontRef idx="minor">
+            <a:schemeClr val="lt1"/>
+          </a:fontRef>
+        </p:style>
+        <p:txBody>
+          <a:bodyPr rtlCol="0" anchor="t"/>
+          <a:lstStyle/>
+          <a:p>
+            <a:r>
+              <a:rPr kumimoji="1" lang="en-US" altLang="ko-Kore-KR" dirty="0" err="1"/>
+              <a:t>postDiary</a:t>
+            </a:r>
+            <a:endParaRPr kumimoji="1" lang="en-US" altLang="ko-Kore-KR" dirty="0"/>
+          </a:p>
+          <a:p>
+            <a:r>
+              <a:rPr kumimoji="1" lang="en-US" altLang="ko-Kore-KR" sz="1200" dirty="0"/>
+              <a:t>(date, content)</a:t>
+            </a:r>
           </a:p>
         </p:txBody>
       </p:sp>
